--- a/Presentations/Progress 20 Mei.pptx
+++ b/Presentations/Progress 20 Mei.pptx
@@ -3148,6 +3148,10 @@
             </a:r>
           </a:p>
           <a:p>
+            <a:pPr lvl="1"/>
+            <a:endParaRPr lang="en-US" dirty="0"/>
+          </a:p>
+          <a:p>
             <a:endParaRPr lang="en-US" dirty="0"/>
           </a:p>
         </p:txBody>
@@ -3168,7 +3172,7 @@
         </p:nvSpPr>
         <p:spPr>
           <a:xfrm>
-            <a:off x="949657" y="4332298"/>
+            <a:off x="976952" y="4741731"/>
             <a:ext cx="10515600" cy="1325563"/>
           </a:xfrm>
           <a:prstGeom prst="rect">
@@ -3201,15 +3205,7 @@
           <a:p>
             <a:r>
               <a:rPr lang="en-US" dirty="0"/>
-              <a:t>Target </a:t>
-            </a:r>
-            <a:r>
-              <a:rPr lang="en-US" dirty="0" err="1"/>
-              <a:t>Belom</a:t>
-            </a:r>
-            <a:r>
-              <a:rPr lang="en-US" dirty="0"/>
-              <a:t> </a:t>
+              <a:t>Target Belum </a:t>
             </a:r>
             <a:r>
               <a:rPr lang="en-US" dirty="0" err="1"/>
